--- a/新しいミニゲーム.pptx
+++ b/新しいミニゲーム.pptx
@@ -3325,6 +3325,10 @@
           <a:bodyPr/>
           <a:lstStyle/>
           <a:p>
+            <a:r>
+              <a:rPr kumimoji="1" lang="ja-JP" altLang="en-US" smtClean="0"/>
+              <a:t>みずきチーム</a:t>
+            </a:r>
             <a:endParaRPr kumimoji="1" lang="ja-JP" altLang="en-US"/>
           </a:p>
         </p:txBody>
@@ -6005,11 +6009,7 @@
           <a:p>
             <a:r>
               <a:rPr kumimoji="1" lang="ja-JP" altLang="en-US" dirty="0" smtClean="0"/>
-              <a:t>障害物をよけてゴールを</a:t>
-            </a:r>
-            <a:r>
-              <a:rPr kumimoji="1" lang="ja-JP" altLang="en-US" dirty="0" smtClean="0"/>
-              <a:t>目指す</a:t>
+              <a:t>障害物をよけてゴールを目指す</a:t>
             </a:r>
             <a:endParaRPr kumimoji="1" lang="en-US" altLang="ja-JP" dirty="0" smtClean="0"/>
           </a:p>
@@ -11800,11 +11800,7 @@
             </a:r>
             <a:r>
               <a:rPr kumimoji="1" lang="ja-JP" altLang="en-US" sz="5400" dirty="0" smtClean="0"/>
-              <a:t>列の</a:t>
-            </a:r>
-            <a:r>
-              <a:rPr kumimoji="1" lang="ja-JP" altLang="en-US" sz="5400" dirty="0" smtClean="0"/>
-              <a:t>ステージ</a:t>
+              <a:t>列のステージ</a:t>
             </a:r>
             <a:r>
               <a:rPr kumimoji="1" lang="en-US" altLang="ja-JP" sz="5400" dirty="0" smtClean="0"/>
@@ -14273,11 +14269,7 @@
           <a:p>
             <a:r>
               <a:rPr kumimoji="1" lang="ja-JP" altLang="en-US" sz="5400" dirty="0" smtClean="0"/>
-              <a:t>丸の</a:t>
-            </a:r>
-            <a:r>
-              <a:rPr kumimoji="1" lang="ja-JP" altLang="en-US" sz="5400" dirty="0" smtClean="0"/>
-              <a:t>ステージ</a:t>
+              <a:t>丸のステージ</a:t>
             </a:r>
             <a:r>
               <a:rPr kumimoji="1" lang="en-US" altLang="ja-JP" sz="5400" dirty="0" smtClean="0"/>
@@ -16234,11 +16226,7 @@
           <a:p>
             <a:r>
               <a:rPr kumimoji="1" lang="ja-JP" altLang="en-US" dirty="0" smtClean="0"/>
-              <a:t>ボタンが押されたときに</a:t>
-            </a:r>
-            <a:r>
-              <a:rPr kumimoji="1" lang="ja-JP" altLang="en-US" dirty="0" smtClean="0"/>
-              <a:t>ダッシュ</a:t>
+              <a:t>ボタンが押されたときにダッシュ</a:t>
             </a:r>
             <a:endParaRPr kumimoji="1" lang="en-US" altLang="ja-JP" dirty="0" smtClean="0"/>
           </a:p>
